--- a/Demo Presentation/Demo Presentation.pptx
+++ b/Demo Presentation/Demo Presentation.pptx
@@ -451,7 +451,7 @@
           <a:p>
             <a:fld id="{63A1C593-65D0-4073-BCC9-577B9352EA97}" type="datetimeFigureOut">
               <a:rPr lang="en-US" smtClean="0"/>
-              <a:t>01-Mar-19</a:t>
+              <a:t>05-Mar-19</a:t>
             </a:fld>
             <a:endParaRPr lang="en-US"/>
           </a:p>
@@ -1539,7 +1539,7 @@
           <a:p>
             <a:fld id="{63A1C593-65D0-4073-BCC9-577B9352EA97}" type="datetimeFigureOut">
               <a:rPr lang="en-US" smtClean="0"/>
-              <a:t>01-Mar-19</a:t>
+              <a:t>05-Mar-19</a:t>
             </a:fld>
             <a:endParaRPr lang="en-US"/>
           </a:p>
@@ -2519,7 +2519,7 @@
           <a:p>
             <a:fld id="{63A1C593-65D0-4073-BCC9-577B9352EA97}" type="datetimeFigureOut">
               <a:rPr lang="en-US" smtClean="0"/>
-              <a:t>01-Mar-19</a:t>
+              <a:t>05-Mar-19</a:t>
             </a:fld>
             <a:endParaRPr lang="en-US"/>
           </a:p>
@@ -3653,7 +3653,7 @@
           <a:p>
             <a:fld id="{63A1C593-65D0-4073-BCC9-577B9352EA97}" type="datetimeFigureOut">
               <a:rPr lang="en-US" smtClean="0"/>
-              <a:t>01-Mar-19</a:t>
+              <a:t>05-Mar-19</a:t>
             </a:fld>
             <a:endParaRPr lang="en-US"/>
           </a:p>
@@ -4686,7 +4686,7 @@
           <a:p>
             <a:fld id="{63A1C593-65D0-4073-BCC9-577B9352EA97}" type="datetimeFigureOut">
               <a:rPr lang="en-US" smtClean="0"/>
-              <a:t>01-Mar-19</a:t>
+              <a:t>05-Mar-19</a:t>
             </a:fld>
             <a:endParaRPr lang="en-US"/>
           </a:p>
@@ -5346,7 +5346,7 @@
           <a:p>
             <a:fld id="{63A1C593-65D0-4073-BCC9-577B9352EA97}" type="datetimeFigureOut">
               <a:rPr lang="en-US" smtClean="0"/>
-              <a:t>01-Mar-19</a:t>
+              <a:t>05-Mar-19</a:t>
             </a:fld>
             <a:endParaRPr lang="en-US"/>
           </a:p>
@@ -6207,7 +6207,7 @@
           <a:p>
             <a:fld id="{63A1C593-65D0-4073-BCC9-577B9352EA97}" type="datetimeFigureOut">
               <a:rPr lang="en-US" smtClean="0"/>
-              <a:t>01-Mar-19</a:t>
+              <a:t>05-Mar-19</a:t>
             </a:fld>
             <a:endParaRPr lang="en-US"/>
           </a:p>
@@ -6397,7 +6397,7 @@
           <a:p>
             <a:fld id="{63A1C593-65D0-4073-BCC9-577B9352EA97}" type="datetimeFigureOut">
               <a:rPr lang="en-US" smtClean="0"/>
-              <a:t>01-Mar-19</a:t>
+              <a:t>05-Mar-19</a:t>
             </a:fld>
             <a:endParaRPr lang="en-US"/>
           </a:p>
@@ -7369,7 +7369,7 @@
           <a:p>
             <a:fld id="{63A1C593-65D0-4073-BCC9-577B9352EA97}" type="datetimeFigureOut">
               <a:rPr lang="en-US" smtClean="0"/>
-              <a:t>01-Mar-19</a:t>
+              <a:t>05-Mar-19</a:t>
             </a:fld>
             <a:endParaRPr lang="en-US"/>
           </a:p>
@@ -7580,7 +7580,7 @@
           <a:p>
             <a:fld id="{63A1C593-65D0-4073-BCC9-577B9352EA97}" type="datetimeFigureOut">
               <a:rPr lang="en-US" smtClean="0"/>
-              <a:t>01-Mar-19</a:t>
+              <a:t>05-Mar-19</a:t>
             </a:fld>
             <a:endParaRPr lang="en-US"/>
           </a:p>
@@ -8614,7 +8614,7 @@
           <a:p>
             <a:fld id="{63A1C593-65D0-4073-BCC9-577B9352EA97}" type="datetimeFigureOut">
               <a:rPr lang="en-US" smtClean="0"/>
-              <a:t>01-Mar-19</a:t>
+              <a:t>05-Mar-19</a:t>
             </a:fld>
             <a:endParaRPr lang="en-US"/>
           </a:p>
@@ -8886,7 +8886,7 @@
           <a:p>
             <a:fld id="{63A1C593-65D0-4073-BCC9-577B9352EA97}" type="datetimeFigureOut">
               <a:rPr lang="en-US" smtClean="0"/>
-              <a:t>01-Mar-19</a:t>
+              <a:t>05-Mar-19</a:t>
             </a:fld>
             <a:endParaRPr lang="en-US"/>
           </a:p>
@@ -9301,7 +9301,7 @@
           <a:p>
             <a:fld id="{63A1C593-65D0-4073-BCC9-577B9352EA97}" type="datetimeFigureOut">
               <a:rPr lang="en-US" smtClean="0"/>
-              <a:t>01-Mar-19</a:t>
+              <a:t>05-Mar-19</a:t>
             </a:fld>
             <a:endParaRPr lang="en-US"/>
           </a:p>
@@ -9433,7 +9433,7 @@
           <a:p>
             <a:fld id="{63A1C593-65D0-4073-BCC9-577B9352EA97}" type="datetimeFigureOut">
               <a:rPr lang="en-US" smtClean="0"/>
-              <a:t>01-Mar-19</a:t>
+              <a:t>05-Mar-19</a:t>
             </a:fld>
             <a:endParaRPr lang="en-US"/>
           </a:p>
@@ -9528,7 +9528,7 @@
           <a:p>
             <a:fld id="{63A1C593-65D0-4073-BCC9-577B9352EA97}" type="datetimeFigureOut">
               <a:rPr lang="en-US" smtClean="0"/>
-              <a:t>01-Mar-19</a:t>
+              <a:t>05-Mar-19</a:t>
             </a:fld>
             <a:endParaRPr lang="en-US"/>
           </a:p>
@@ -10609,7 +10609,7 @@
           <a:p>
             <a:fld id="{63A1C593-65D0-4073-BCC9-577B9352EA97}" type="datetimeFigureOut">
               <a:rPr lang="en-US" smtClean="0"/>
-              <a:t>01-Mar-19</a:t>
+              <a:t>05-Mar-19</a:t>
             </a:fld>
             <a:endParaRPr lang="en-US"/>
           </a:p>
@@ -11722,7 +11722,7 @@
           <a:p>
             <a:fld id="{63A1C593-65D0-4073-BCC9-577B9352EA97}" type="datetimeFigureOut">
               <a:rPr lang="en-US" smtClean="0"/>
-              <a:t>01-Mar-19</a:t>
+              <a:t>05-Mar-19</a:t>
             </a:fld>
             <a:endParaRPr lang="en-US"/>
           </a:p>
@@ -12719,7 +12719,7 @@
           <a:p>
             <a:fld id="{63A1C593-65D0-4073-BCC9-577B9352EA97}" type="datetimeFigureOut">
               <a:rPr lang="en-US" smtClean="0"/>
-              <a:t>01-Mar-19</a:t>
+              <a:t>05-Mar-19</a:t>
             </a:fld>
             <a:endParaRPr lang="en-US"/>
           </a:p>
@@ -13613,7 +13613,7 @@
                   <a:schemeClr val="tx1"/>
                 </a:solidFill>
               </a:rPr>
-              <a:t>Group 7 – Ricochet</a:t>
+              <a:t>Group 7</a:t>
             </a:r>
           </a:p>
         </p:txBody>
@@ -14068,7 +14068,7 @@
           <a:lstStyle/>
           <a:p>
             <a:r>
-              <a:rPr lang="en-US">
+              <a:rPr lang="en-US" sz="2800">
                 <a:solidFill>
                   <a:schemeClr val="tx1"/>
                 </a:solidFill>
@@ -14078,36 +14078,38 @@
           </a:p>
           <a:p>
             <a:r>
-              <a:rPr lang="en-US">
+              <a:rPr lang="en-US" sz="2800">
                 <a:solidFill>
                   <a:schemeClr val="tx1"/>
                 </a:solidFill>
               </a:rPr>
               <a:t>Emphasis on a single mechanic</a:t>
             </a:r>
-          </a:p>
-          <a:p>
-            <a:r>
-              <a:rPr lang="en-GB"/>
-              <a:t>Consider a genre or type of games that have a typical mechanic or set of mechanics defined as integral to them</a:t>
-            </a:r>
-          </a:p>
-          <a:p>
-            <a:r>
-              <a:rPr lang="en-GB"/>
-              <a:t>Develop a game without the specified mechanic or mechanic set</a:t>
-            </a:r>
-          </a:p>
-          <a:p>
-            <a:r>
-              <a:rPr lang="en-GB"/>
-              <a:t>Substitute the mechanic with a refined new solution to the problem that removing the mechanic creates</a:t>
-            </a:r>
-            <a:endParaRPr lang="en-GB">
+            <a:endParaRPr lang="ro-RO" sz="2800">
               <a:solidFill>
                 <a:schemeClr val="tx1"/>
               </a:solidFill>
             </a:endParaRPr>
+          </a:p>
+          <a:p>
+            <a:r>
+              <a:rPr lang="ro-RO" sz="2800">
+                <a:solidFill>
+                  <a:schemeClr val="tx1"/>
+                </a:solidFill>
+              </a:rPr>
+              <a:t>Develop a game without the main mechanic</a:t>
+            </a:r>
+          </a:p>
+          <a:p>
+            <a:r>
+              <a:rPr lang="ro-RO" sz="2800">
+                <a:solidFill>
+                  <a:schemeClr val="tx1"/>
+                </a:solidFill>
+              </a:rPr>
+              <a:t>Substitute and refine the main mechanic</a:t>
+            </a:r>
           </a:p>
         </p:txBody>
       </p:sp>
@@ -14475,14 +14477,14 @@
           <a:lstStyle/>
           <a:p>
             <a:r>
-              <a:rPr lang="en-US" sz="6000" b="1">
+              <a:rPr lang="ro-RO" sz="4800" b="1">
                 <a:solidFill>
                   <a:schemeClr val="tx1"/>
                 </a:solidFill>
               </a:rPr>
-              <a:t>GAME BASICS</a:t>
+              <a:t>OUR SOLUTION TO THE BRIEF</a:t>
             </a:r>
-            <a:endParaRPr lang="en-GB" sz="6000" b="1">
+            <a:endParaRPr lang="en-GB" sz="4800" b="1">
               <a:solidFill>
                 <a:schemeClr val="tx1"/>
               </a:solidFill>
@@ -14508,8 +14510,8 @@
         </p:nvSpPr>
         <p:spPr>
           <a:xfrm>
-            <a:off x="1128166" y="2202025"/>
-            <a:ext cx="7645173" cy="3508310"/>
+            <a:off x="1128166" y="1891003"/>
+            <a:ext cx="7645173" cy="4409129"/>
           </a:xfrm>
         </p:spPr>
         <p:txBody>
@@ -14519,7 +14521,17 @@
           <a:lstStyle/>
           <a:p>
             <a:r>
-              <a:rPr lang="en-US">
+              <a:rPr lang="ro-RO" sz="2400">
+                <a:solidFill>
+                  <a:schemeClr val="tx1"/>
+                </a:solidFill>
+              </a:rPr>
+              <a:t>Twitch based gameplay</a:t>
+            </a:r>
+          </a:p>
+          <a:p>
+            <a:r>
+              <a:rPr lang="en-US" sz="2400">
                 <a:solidFill>
                   <a:schemeClr val="tx1"/>
                 </a:solidFill>
@@ -14529,7 +14541,7 @@
           </a:p>
           <a:p>
             <a:r>
-              <a:rPr lang="en-US">
+              <a:rPr lang="en-US" sz="2400">
                 <a:solidFill>
                   <a:schemeClr val="tx1"/>
                 </a:solidFill>
@@ -14539,18 +14551,26 @@
           </a:p>
           <a:p>
             <a:r>
-              <a:rPr lang="en-US">
+              <a:rPr lang="ro-RO" sz="2400">
                 <a:solidFill>
                   <a:schemeClr val="tx1"/>
                 </a:solidFill>
               </a:rPr>
-              <a:t>Emotions</a:t>
+              <a:t>Desired e</a:t>
+            </a:r>
+            <a:r>
+              <a:rPr lang="en-US" sz="2400">
+                <a:solidFill>
+                  <a:schemeClr val="tx1"/>
+                </a:solidFill>
+              </a:rPr>
+              <a:t>motions</a:t>
             </a:r>
           </a:p>
           <a:p>
             <a:pPr lvl="1"/>
             <a:r>
-              <a:rPr lang="en-US">
+              <a:rPr lang="en-US" sz="2400">
                 <a:solidFill>
                   <a:schemeClr val="tx1"/>
                 </a:solidFill>
@@ -14561,13 +14581,45 @@
           <a:p>
             <a:pPr lvl="1"/>
             <a:r>
-              <a:rPr lang="en-US">
+              <a:rPr lang="en-US" sz="2400">
                 <a:solidFill>
                   <a:schemeClr val="tx1"/>
                 </a:solidFill>
               </a:rPr>
               <a:t>Fiero</a:t>
             </a:r>
+            <a:endParaRPr lang="ro-RO" sz="2400">
+              <a:solidFill>
+                <a:schemeClr val="tx1"/>
+              </a:solidFill>
+            </a:endParaRPr>
+          </a:p>
+          <a:p>
+            <a:pPr lvl="1"/>
+            <a:r>
+              <a:rPr lang="ro-RO" sz="2400">
+                <a:solidFill>
+                  <a:schemeClr val="tx1"/>
+                </a:solidFill>
+              </a:rPr>
+              <a:t>Tension</a:t>
+            </a:r>
+          </a:p>
+          <a:p>
+            <a:pPr lvl="1"/>
+            <a:r>
+              <a:rPr lang="ro-RO" sz="2400">
+                <a:solidFill>
+                  <a:schemeClr val="tx1"/>
+                </a:solidFill>
+              </a:rPr>
+              <a:t>Relief</a:t>
+            </a:r>
+            <a:endParaRPr lang="en-US" sz="2400">
+              <a:solidFill>
+                <a:schemeClr val="tx1"/>
+              </a:solidFill>
+            </a:endParaRPr>
           </a:p>
           <a:p>
             <a:pPr lvl="1"/>
@@ -15417,33 +15469,80 @@
           <a:lstStyle/>
           <a:p>
             <a:r>
-              <a:rPr lang="en-US">
+              <a:rPr lang="ro-RO" sz="2400">
                 <a:solidFill>
                   <a:schemeClr val="tx1"/>
                 </a:solidFill>
               </a:rPr>
-              <a:t>Several types of enemies &amp; projectiles</a:t>
+              <a:t>Animations for player &amp; enemies</a:t>
             </a:r>
           </a:p>
           <a:p>
             <a:r>
-              <a:rPr lang="en-US">
+              <a:rPr lang="ro-RO" sz="2400">
                 <a:solidFill>
                   <a:schemeClr val="tx1"/>
                 </a:solidFill>
               </a:rPr>
-              <a:t>6 editable level layouts</a:t>
+              <a:t>4 types of enemies &amp; 1 boss type enemy</a:t>
             </a:r>
           </a:p>
           <a:p>
             <a:r>
-              <a:rPr lang="en-US">
+              <a:rPr lang="ro-RO" sz="2400">
                 <a:solidFill>
                   <a:schemeClr val="tx1"/>
                 </a:solidFill>
               </a:rPr>
-              <a:t>Art assets for UI</a:t>
+              <a:t>6 editable room layouts</a:t>
             </a:r>
+          </a:p>
+          <a:p>
+            <a:r>
+              <a:rPr lang="ro-RO" sz="2400">
+                <a:solidFill>
+                  <a:schemeClr val="tx1"/>
+                </a:solidFill>
+              </a:rPr>
+              <a:t>Particle effects</a:t>
+            </a:r>
+          </a:p>
+          <a:p>
+            <a:r>
+              <a:rPr lang="ro-RO" sz="2400">
+                <a:solidFill>
+                  <a:schemeClr val="tx1"/>
+                </a:solidFill>
+              </a:rPr>
+              <a:t>Audio</a:t>
+            </a:r>
+          </a:p>
+          <a:p>
+            <a:r>
+              <a:rPr lang="ro-RO" sz="2400">
+                <a:solidFill>
+                  <a:schemeClr val="tx1"/>
+                </a:solidFill>
+              </a:rPr>
+              <a:t>UI assets</a:t>
+            </a:r>
+          </a:p>
+          <a:p>
+            <a:r>
+              <a:rPr lang="ro-RO" sz="2400">
+                <a:solidFill>
+                  <a:schemeClr val="tx1"/>
+                </a:solidFill>
+              </a:rPr>
+              <a:t>Tilemaps</a:t>
+            </a:r>
+          </a:p>
+          <a:p>
+            <a:endParaRPr lang="ro-RO">
+              <a:solidFill>
+                <a:schemeClr val="tx1"/>
+              </a:solidFill>
+            </a:endParaRPr>
           </a:p>
           <a:p>
             <a:endParaRPr lang="en-US">

--- a/Demo Presentation/Demo Presentation.pptx
+++ b/Demo Presentation/Demo Presentation.pptx
@@ -10,6 +10,7 @@
     <p:sldId id="258" r:id="rId4"/>
     <p:sldId id="259" r:id="rId5"/>
     <p:sldId id="260" r:id="rId6"/>
+    <p:sldId id="261" r:id="rId7"/>
   </p:sldIdLst>
   <p:sldSz cx="12192000" cy="6858000"/>
   <p:notesSz cx="6858000" cy="9144000"/>
@@ -14526,7 +14527,7 @@
                   <a:schemeClr val="tx1"/>
                 </a:solidFill>
               </a:rPr>
-              <a:t>Twitch based gameplay</a:t>
+              <a:t>Twitch based game</a:t>
             </a:r>
           </a:p>
           <a:p>
@@ -14581,14 +14582,14 @@
           <a:p>
             <a:pPr lvl="1"/>
             <a:r>
-              <a:rPr lang="en-US" sz="2400">
+              <a:rPr lang="ro-RO" sz="2400">
                 <a:solidFill>
                   <a:schemeClr val="tx1"/>
                 </a:solidFill>
               </a:rPr>
-              <a:t>Fiero</a:t>
+              <a:t>Relief</a:t>
             </a:r>
-            <a:endParaRPr lang="ro-RO" sz="2400">
+            <a:endParaRPr lang="en-US" sz="2400">
               <a:solidFill>
                 <a:schemeClr val="tx1"/>
               </a:solidFill>
@@ -14613,7 +14614,7 @@
                   <a:schemeClr val="tx1"/>
                 </a:solidFill>
               </a:rPr>
-              <a:t>Relief</a:t>
+              <a:t>Fiero</a:t>
             </a:r>
             <a:endParaRPr lang="en-US" sz="2400">
               <a:solidFill>
@@ -15494,7 +15495,7 @@
                   <a:schemeClr val="tx1"/>
                 </a:solidFill>
               </a:rPr>
-              <a:t>6 editable room layouts</a:t>
+              <a:t>Editable room layouts</a:t>
             </a:r>
           </a:p>
           <a:p>
@@ -15562,6 +15563,80 @@
   </p:cSld>
   <p:clrMapOvr>
     <a:overrideClrMapping bg1="dk1" tx1="lt1" bg2="dk2" tx2="lt2" accent1="accent1" accent2="accent2" accent3="accent3" accent4="accent4" accent5="accent5" accent6="accent6" hlink="hlink" folHlink="folHlink"/>
+  </p:clrMapOvr>
+</p:sld>
+</file>
+
+<file path=ppt/slides/slide6.xml><?xml version="1.0" encoding="utf-8"?>
+<p:sld xmlns:a="http://schemas.openxmlformats.org/drawingml/2006/main" xmlns:r="http://schemas.openxmlformats.org/officeDocument/2006/relationships" xmlns:p="http://schemas.openxmlformats.org/presentationml/2006/main">
+  <p:cSld>
+    <p:spTree>
+      <p:nvGrpSpPr>
+        <p:cNvPr id="1" name=""/>
+        <p:cNvGrpSpPr/>
+        <p:nvPr/>
+      </p:nvGrpSpPr>
+      <p:grpSpPr>
+        <a:xfrm>
+          <a:off x="0" y="0"/>
+          <a:ext cx="0" cy="0"/>
+          <a:chOff x="0" y="0"/>
+          <a:chExt cx="0" cy="0"/>
+        </a:xfrm>
+      </p:grpSpPr>
+      <p:sp>
+        <p:nvSpPr>
+          <p:cNvPr id="2" name="Title 1">
+            <a:extLst>
+              <a:ext uri="{FF2B5EF4-FFF2-40B4-BE49-F238E27FC236}">
+                <a16:creationId xmlns:a16="http://schemas.microsoft.com/office/drawing/2014/main" id="{DE6C44C1-102C-48F7-A6DA-6B6299C36912}"/>
+              </a:ext>
+            </a:extLst>
+          </p:cNvPr>
+          <p:cNvSpPr>
+            <a:spLocks noGrp="1"/>
+          </p:cNvSpPr>
+          <p:nvPr>
+            <p:ph type="title"/>
+          </p:nvPr>
+        </p:nvSpPr>
+        <p:spPr>
+          <a:xfrm>
+            <a:off x="2343947" y="2613963"/>
+            <a:ext cx="7504105" cy="1630074"/>
+          </a:xfrm>
+        </p:spPr>
+        <p:txBody>
+          <a:bodyPr>
+            <a:noAutofit/>
+          </a:bodyPr>
+          <a:lstStyle/>
+          <a:p>
+            <a:r>
+              <a:rPr lang="ro-RO" sz="9600" b="1">
+                <a:solidFill>
+                  <a:schemeClr val="tx1"/>
+                </a:solidFill>
+              </a:rPr>
+              <a:t>QUESTIONS?</a:t>
+            </a:r>
+            <a:endParaRPr lang="en-GB" sz="9600" b="1">
+              <a:solidFill>
+                <a:schemeClr val="tx1"/>
+              </a:solidFill>
+            </a:endParaRPr>
+          </a:p>
+        </p:txBody>
+      </p:sp>
+    </p:spTree>
+    <p:extLst>
+      <p:ext uri="{BB962C8B-B14F-4D97-AF65-F5344CB8AC3E}">
+        <p14:creationId xmlns:p14="http://schemas.microsoft.com/office/powerpoint/2010/main" val="8844320"/>
+      </p:ext>
+    </p:extLst>
+  </p:cSld>
+  <p:clrMapOvr>
+    <a:masterClrMapping/>
   </p:clrMapOvr>
 </p:sld>
 </file>

--- a/Demo Presentation/Demo Presentation.pptx
+++ b/Demo Presentation/Demo Presentation.pptx
@@ -7,10 +7,12 @@
   <p:sldIdLst>
     <p:sldId id="256" r:id="rId2"/>
     <p:sldId id="257" r:id="rId3"/>
-    <p:sldId id="258" r:id="rId4"/>
-    <p:sldId id="259" r:id="rId5"/>
-    <p:sldId id="260" r:id="rId6"/>
-    <p:sldId id="261" r:id="rId7"/>
+    <p:sldId id="262" r:id="rId4"/>
+    <p:sldId id="258" r:id="rId5"/>
+    <p:sldId id="259" r:id="rId6"/>
+    <p:sldId id="260" r:id="rId7"/>
+    <p:sldId id="263" r:id="rId8"/>
+    <p:sldId id="261" r:id="rId9"/>
   </p:sldIdLst>
   <p:sldSz cx="12192000" cy="6858000"/>
   <p:notesSz cx="6858000" cy="9144000"/>
@@ -14454,7 +14456,7 @@
           <p:cNvPr id="2" name="Title 1">
             <a:extLst>
               <a:ext uri="{FF2B5EF4-FFF2-40B4-BE49-F238E27FC236}">
-                <a16:creationId xmlns:a16="http://schemas.microsoft.com/office/drawing/2014/main" id="{04C25EFE-D2A2-4E6F-A660-F6E179F04510}"/>
+                <a16:creationId xmlns:a16="http://schemas.microsoft.com/office/drawing/2014/main" id="{3C66A635-DFCD-4F26-B8C4-64A6B01170A7}"/>
               </a:ext>
             </a:extLst>
           </p:cNvPr>
@@ -14478,18 +14480,13 @@
           <a:lstStyle/>
           <a:p>
             <a:r>
-              <a:rPr lang="ro-RO" sz="4800" b="1">
+              <a:rPr lang="en-US" b="1" dirty="0">
                 <a:solidFill>
                   <a:schemeClr val="tx1"/>
                 </a:solidFill>
               </a:rPr>
-              <a:t>OUR SOLUTION TO THE BRIEF</a:t>
+              <a:t>TARGET DEMOGRAPHIC</a:t>
             </a:r>
-            <a:endParaRPr lang="en-GB" sz="4800" b="1">
-              <a:solidFill>
-                <a:schemeClr val="tx1"/>
-              </a:solidFill>
-            </a:endParaRPr>
           </a:p>
         </p:txBody>
       </p:sp>
@@ -14498,7 +14495,7 @@
           <p:cNvPr id="3" name="Content Placeholder 2">
             <a:extLst>
               <a:ext uri="{FF2B5EF4-FFF2-40B4-BE49-F238E27FC236}">
-                <a16:creationId xmlns:a16="http://schemas.microsoft.com/office/drawing/2014/main" id="{E9F81C1A-7989-453E-A768-030B48B0C86D}"/>
+                <a16:creationId xmlns:a16="http://schemas.microsoft.com/office/drawing/2014/main" id="{2FFA1B7E-CBDB-4F62-AF48-63C17E2E6BA1}"/>
               </a:ext>
             </a:extLst>
           </p:cNvPr>
@@ -14511,8 +14508,8 @@
         </p:nvSpPr>
         <p:spPr>
           <a:xfrm>
-            <a:off x="1128166" y="1891003"/>
-            <a:ext cx="7645173" cy="4409129"/>
+            <a:off x="1128166" y="2202025"/>
+            <a:ext cx="7645173" cy="3508310"/>
           </a:xfrm>
         </p:spPr>
         <p:txBody>
@@ -14521,128 +14518,18 @@
           </a:bodyPr>
           <a:lstStyle/>
           <a:p>
-            <a:r>
-              <a:rPr lang="ro-RO" sz="2400">
-                <a:solidFill>
-                  <a:schemeClr val="tx1"/>
-                </a:solidFill>
-              </a:rPr>
-              <a:t>Twitch based game</a:t>
-            </a:r>
-          </a:p>
-          <a:p>
-            <a:r>
-              <a:rPr lang="en-US" sz="2400">
-                <a:solidFill>
-                  <a:schemeClr val="tx1"/>
-                </a:solidFill>
-              </a:rPr>
-              <a:t>2D top-down shooter</a:t>
-            </a:r>
-          </a:p>
-          <a:p>
-            <a:r>
-              <a:rPr lang="en-US" sz="2400">
-                <a:solidFill>
-                  <a:schemeClr val="tx1"/>
-                </a:solidFill>
-              </a:rPr>
-              <a:t>Replaced the shooting mechanic with deflection</a:t>
-            </a:r>
-          </a:p>
-          <a:p>
-            <a:r>
-              <a:rPr lang="ro-RO" sz="2400">
-                <a:solidFill>
-                  <a:schemeClr val="tx1"/>
-                </a:solidFill>
-              </a:rPr>
-              <a:t>Desired e</a:t>
-            </a:r>
-            <a:r>
-              <a:rPr lang="en-US" sz="2400">
-                <a:solidFill>
-                  <a:schemeClr val="tx1"/>
-                </a:solidFill>
-              </a:rPr>
-              <a:t>motions</a:t>
-            </a:r>
-          </a:p>
-          <a:p>
-            <a:pPr lvl="1"/>
-            <a:r>
-              <a:rPr lang="en-US" sz="2400">
-                <a:solidFill>
-                  <a:schemeClr val="tx1"/>
-                </a:solidFill>
-              </a:rPr>
-              <a:t>Frustration</a:t>
-            </a:r>
-          </a:p>
-          <a:p>
-            <a:pPr lvl="1"/>
-            <a:r>
-              <a:rPr lang="ro-RO" sz="2400">
-                <a:solidFill>
-                  <a:schemeClr val="tx1"/>
-                </a:solidFill>
-              </a:rPr>
-              <a:t>Relief</a:t>
-            </a:r>
-            <a:endParaRPr lang="en-US" sz="2400">
-              <a:solidFill>
-                <a:schemeClr val="tx1"/>
-              </a:solidFill>
-            </a:endParaRPr>
-          </a:p>
-          <a:p>
-            <a:pPr lvl="1"/>
-            <a:r>
-              <a:rPr lang="ro-RO" sz="2400">
-                <a:solidFill>
-                  <a:schemeClr val="tx1"/>
-                </a:solidFill>
-              </a:rPr>
-              <a:t>Tension</a:t>
-            </a:r>
-          </a:p>
-          <a:p>
-            <a:pPr lvl="1"/>
-            <a:r>
-              <a:rPr lang="ro-RO" sz="2400">
-                <a:solidFill>
-                  <a:schemeClr val="tx1"/>
-                </a:solidFill>
-              </a:rPr>
-              <a:t>Fiero</a:t>
-            </a:r>
-            <a:endParaRPr lang="en-US" sz="2400">
-              <a:solidFill>
-                <a:schemeClr val="tx1"/>
-              </a:solidFill>
-            </a:endParaRPr>
-          </a:p>
-          <a:p>
-            <a:pPr lvl="1"/>
             <a:endParaRPr lang="en-US">
               <a:solidFill>
                 <a:schemeClr val="tx1"/>
               </a:solidFill>
             </a:endParaRPr>
           </a:p>
-          <a:p>
-            <a:endParaRPr lang="en-GB">
-              <a:solidFill>
-                <a:schemeClr val="tx1"/>
-              </a:solidFill>
-            </a:endParaRPr>
-          </a:p>
         </p:txBody>
       </p:sp>
     </p:spTree>
     <p:extLst>
       <p:ext uri="{BB962C8B-B14F-4D97-AF65-F5344CB8AC3E}">
-        <p14:creationId xmlns:p14="http://schemas.microsoft.com/office/powerpoint/2010/main" val="3053343484"/>
+        <p14:creationId xmlns:p14="http://schemas.microsoft.com/office/powerpoint/2010/main" val="593441564"/>
       </p:ext>
     </p:extLst>
   </p:cSld>
@@ -14979,6 +14866,531 @@
           <p:cNvPr id="2" name="Title 1">
             <a:extLst>
               <a:ext uri="{FF2B5EF4-FFF2-40B4-BE49-F238E27FC236}">
+                <a16:creationId xmlns:a16="http://schemas.microsoft.com/office/drawing/2014/main" id="{04C25EFE-D2A2-4E6F-A660-F6E179F04510}"/>
+              </a:ext>
+            </a:extLst>
+          </p:cNvPr>
+          <p:cNvSpPr>
+            <a:spLocks noGrp="1"/>
+          </p:cNvSpPr>
+          <p:nvPr>
+            <p:ph type="title"/>
+          </p:nvPr>
+        </p:nvSpPr>
+        <p:spPr>
+          <a:xfrm>
+            <a:off x="1128166" y="821095"/>
+            <a:ext cx="9230185" cy="1069909"/>
+          </a:xfrm>
+        </p:spPr>
+        <p:txBody>
+          <a:bodyPr>
+            <a:normAutofit/>
+          </a:bodyPr>
+          <a:lstStyle/>
+          <a:p>
+            <a:r>
+              <a:rPr lang="ro-RO" sz="4800" b="1">
+                <a:solidFill>
+                  <a:schemeClr val="tx1"/>
+                </a:solidFill>
+              </a:rPr>
+              <a:t>OUR SOLUTION TO THE BRIEF</a:t>
+            </a:r>
+            <a:endParaRPr lang="en-GB" sz="4800" b="1">
+              <a:solidFill>
+                <a:schemeClr val="tx1"/>
+              </a:solidFill>
+            </a:endParaRPr>
+          </a:p>
+        </p:txBody>
+      </p:sp>
+      <p:sp>
+        <p:nvSpPr>
+          <p:cNvPr id="3" name="Content Placeholder 2">
+            <a:extLst>
+              <a:ext uri="{FF2B5EF4-FFF2-40B4-BE49-F238E27FC236}">
+                <a16:creationId xmlns:a16="http://schemas.microsoft.com/office/drawing/2014/main" id="{E9F81C1A-7989-453E-A768-030B48B0C86D}"/>
+              </a:ext>
+            </a:extLst>
+          </p:cNvPr>
+          <p:cNvSpPr>
+            <a:spLocks noGrp="1"/>
+          </p:cNvSpPr>
+          <p:nvPr>
+            <p:ph idx="1"/>
+          </p:nvPr>
+        </p:nvSpPr>
+        <p:spPr>
+          <a:xfrm>
+            <a:off x="1128166" y="1891003"/>
+            <a:ext cx="7645173" cy="4409129"/>
+          </a:xfrm>
+        </p:spPr>
+        <p:txBody>
+          <a:bodyPr anchor="t">
+            <a:normAutofit/>
+          </a:bodyPr>
+          <a:lstStyle/>
+          <a:p>
+            <a:r>
+              <a:rPr lang="ro-RO" sz="2400">
+                <a:solidFill>
+                  <a:schemeClr val="tx1"/>
+                </a:solidFill>
+              </a:rPr>
+              <a:t>Twitch based game</a:t>
+            </a:r>
+          </a:p>
+          <a:p>
+            <a:r>
+              <a:rPr lang="en-US" sz="2400">
+                <a:solidFill>
+                  <a:schemeClr val="tx1"/>
+                </a:solidFill>
+              </a:rPr>
+              <a:t>2D top-down shooter</a:t>
+            </a:r>
+          </a:p>
+          <a:p>
+            <a:r>
+              <a:rPr lang="en-US" sz="2400">
+                <a:solidFill>
+                  <a:schemeClr val="tx1"/>
+                </a:solidFill>
+              </a:rPr>
+              <a:t>Replaced the shooting mechanic with deflection</a:t>
+            </a:r>
+          </a:p>
+          <a:p>
+            <a:r>
+              <a:rPr lang="ro-RO" sz="2400">
+                <a:solidFill>
+                  <a:schemeClr val="tx1"/>
+                </a:solidFill>
+              </a:rPr>
+              <a:t>Desired e</a:t>
+            </a:r>
+            <a:r>
+              <a:rPr lang="en-US" sz="2400">
+                <a:solidFill>
+                  <a:schemeClr val="tx1"/>
+                </a:solidFill>
+              </a:rPr>
+              <a:t>motions</a:t>
+            </a:r>
+          </a:p>
+          <a:p>
+            <a:pPr lvl="1"/>
+            <a:r>
+              <a:rPr lang="en-US" sz="2400">
+                <a:solidFill>
+                  <a:schemeClr val="tx1"/>
+                </a:solidFill>
+              </a:rPr>
+              <a:t>Frustration</a:t>
+            </a:r>
+          </a:p>
+          <a:p>
+            <a:pPr lvl="1"/>
+            <a:r>
+              <a:rPr lang="ro-RO" sz="2400">
+                <a:solidFill>
+                  <a:schemeClr val="tx1"/>
+                </a:solidFill>
+              </a:rPr>
+              <a:t>Relief</a:t>
+            </a:r>
+            <a:endParaRPr lang="en-US" sz="2400">
+              <a:solidFill>
+                <a:schemeClr val="tx1"/>
+              </a:solidFill>
+            </a:endParaRPr>
+          </a:p>
+          <a:p>
+            <a:pPr lvl="1"/>
+            <a:r>
+              <a:rPr lang="ro-RO" sz="2400">
+                <a:solidFill>
+                  <a:schemeClr val="tx1"/>
+                </a:solidFill>
+              </a:rPr>
+              <a:t>Tension</a:t>
+            </a:r>
+          </a:p>
+          <a:p>
+            <a:pPr lvl="1"/>
+            <a:r>
+              <a:rPr lang="ro-RO" sz="2400">
+                <a:solidFill>
+                  <a:schemeClr val="tx1"/>
+                </a:solidFill>
+              </a:rPr>
+              <a:t>Fiero</a:t>
+            </a:r>
+            <a:endParaRPr lang="en-US" sz="2400">
+              <a:solidFill>
+                <a:schemeClr val="tx1"/>
+              </a:solidFill>
+            </a:endParaRPr>
+          </a:p>
+          <a:p>
+            <a:pPr lvl="1"/>
+            <a:endParaRPr lang="en-US">
+              <a:solidFill>
+                <a:schemeClr val="tx1"/>
+              </a:solidFill>
+            </a:endParaRPr>
+          </a:p>
+          <a:p>
+            <a:endParaRPr lang="en-GB">
+              <a:solidFill>
+                <a:schemeClr val="tx1"/>
+              </a:solidFill>
+            </a:endParaRPr>
+          </a:p>
+        </p:txBody>
+      </p:sp>
+    </p:spTree>
+    <p:extLst>
+      <p:ext uri="{BB962C8B-B14F-4D97-AF65-F5344CB8AC3E}">
+        <p14:creationId xmlns:p14="http://schemas.microsoft.com/office/powerpoint/2010/main" val="3053343484"/>
+      </p:ext>
+    </p:extLst>
+  </p:cSld>
+  <p:clrMapOvr>
+    <a:overrideClrMapping bg1="dk1" tx1="lt1" bg2="dk2" tx2="lt2" accent1="accent1" accent2="accent2" accent3="accent3" accent4="accent4" accent5="accent5" accent6="accent6" hlink="hlink" folHlink="folHlink"/>
+  </p:clrMapOvr>
+</p:sld>
+</file>
+
+<file path=ppt/slides/slide5.xml><?xml version="1.0" encoding="utf-8"?>
+<p:sld xmlns:a="http://schemas.openxmlformats.org/drawingml/2006/main" xmlns:r="http://schemas.openxmlformats.org/officeDocument/2006/relationships" xmlns:p="http://schemas.openxmlformats.org/presentationml/2006/main">
+  <p:cSld>
+    <p:bg>
+      <p:bgPr>
+        <a:gradFill rotWithShape="1">
+          <a:gsLst>
+            <a:gs pos="0">
+              <a:schemeClr val="bg1">
+                <a:tint val="98000"/>
+                <a:hueMod val="124000"/>
+                <a:satMod val="148000"/>
+                <a:lumMod val="124000"/>
+              </a:schemeClr>
+            </a:gs>
+            <a:gs pos="100000">
+              <a:schemeClr val="bg1">
+                <a:shade val="76000"/>
+                <a:hueMod val="89000"/>
+                <a:satMod val="164000"/>
+                <a:lumMod val="56000"/>
+              </a:schemeClr>
+            </a:gs>
+          </a:gsLst>
+          <a:path path="circle">
+            <a:fillToRect l="45000" t="65000" r="125000" b="100000"/>
+          </a:path>
+        </a:gradFill>
+        <a:effectLst/>
+      </p:bgPr>
+    </p:bg>
+    <p:spTree>
+      <p:nvGrpSpPr>
+        <p:cNvPr id="1" name=""/>
+        <p:cNvGrpSpPr/>
+        <p:nvPr/>
+      </p:nvGrpSpPr>
+      <p:grpSpPr>
+        <a:xfrm>
+          <a:off x="0" y="0"/>
+          <a:ext cx="0" cy="0"/>
+          <a:chOff x="0" y="0"/>
+          <a:chExt cx="0" cy="0"/>
+        </a:xfrm>
+      </p:grpSpPr>
+      <p:sp useBgFill="1">
+        <p:nvSpPr>
+          <p:cNvPr id="8" name="Rectangle 7">
+            <a:extLst>
+              <a:ext uri="{FF2B5EF4-FFF2-40B4-BE49-F238E27FC236}">
+                <a16:creationId xmlns:a16="http://schemas.microsoft.com/office/drawing/2014/main" id="{B219AE65-9B94-44EA-BEF3-EF4BFA169C81}"/>
+              </a:ext>
+              <a:ext uri="{C183D7F6-B498-43B3-948B-1728B52AA6E4}">
+                <adec:decorative xmlns:adec="http://schemas.microsoft.com/office/drawing/2017/decorative" val="1"/>
+              </a:ext>
+            </a:extLst>
+          </p:cNvPr>
+          <p:cNvSpPr>
+            <a:spLocks noGrp="1" noRot="1" noChangeAspect="1" noMove="1" noResize="1" noEditPoints="1" noAdjustHandles="1" noChangeArrowheads="1" noChangeShapeType="1" noTextEdit="1"/>
+          </p:cNvSpPr>
+          <p:nvPr>
+            <p:extLst>
+              <p:ext uri="{386F3935-93C4-4BCD-93E2-E3B085C9AB24}">
+                <p16:designElem xmlns:p16="http://schemas.microsoft.com/office/powerpoint/2015/main" val="1"/>
+              </p:ext>
+            </p:extLst>
+          </p:nvPr>
+        </p:nvSpPr>
+        <p:spPr>
+          <a:xfrm>
+            <a:off x="0" y="0"/>
+            <a:ext cx="12192000" cy="6858000"/>
+          </a:xfrm>
+          <a:prstGeom prst="rect">
+            <a:avLst/>
+          </a:prstGeom>
+          <a:ln>
+            <a:noFill/>
+          </a:ln>
+        </p:spPr>
+        <p:style>
+          <a:lnRef idx="2">
+            <a:schemeClr val="accent1">
+              <a:shade val="50000"/>
+            </a:schemeClr>
+          </a:lnRef>
+          <a:fillRef idx="1">
+            <a:schemeClr val="accent1"/>
+          </a:fillRef>
+          <a:effectRef idx="0">
+            <a:schemeClr val="accent1"/>
+          </a:effectRef>
+          <a:fontRef idx="minor">
+            <a:schemeClr val="lt1"/>
+          </a:fontRef>
+        </p:style>
+        <p:txBody>
+          <a:bodyPr rtlCol="0" anchor="ctr"/>
+          <a:lstStyle/>
+          <a:p>
+            <a:pPr algn="ctr"/>
+            <a:endParaRPr lang="en-US"/>
+          </a:p>
+        </p:txBody>
+      </p:sp>
+      <p:sp>
+        <p:nvSpPr>
+          <p:cNvPr id="10" name="Rectangle 9">
+            <a:extLst>
+              <a:ext uri="{FF2B5EF4-FFF2-40B4-BE49-F238E27FC236}">
+                <a16:creationId xmlns:a16="http://schemas.microsoft.com/office/drawing/2014/main" id="{F0C81A57-9CD5-461B-8FFE-4A8CB6CFBE01}"/>
+              </a:ext>
+              <a:ext uri="{C183D7F6-B498-43B3-948B-1728B52AA6E4}">
+                <adec:decorative xmlns:adec="http://schemas.microsoft.com/office/drawing/2017/decorative" val="1"/>
+              </a:ext>
+            </a:extLst>
+          </p:cNvPr>
+          <p:cNvSpPr>
+            <a:spLocks noGrp="1" noRot="1" noChangeAspect="1" noMove="1" noResize="1" noEditPoints="1" noAdjustHandles="1" noChangeArrowheads="1" noChangeShapeType="1" noTextEdit="1"/>
+          </p:cNvSpPr>
+          <p:nvPr>
+            <p:extLst>
+              <p:ext uri="{386F3935-93C4-4BCD-93E2-E3B085C9AB24}">
+                <p16:designElem xmlns:p16="http://schemas.microsoft.com/office/powerpoint/2015/main" val="1"/>
+              </p:ext>
+            </p:extLst>
+          </p:nvPr>
+        </p:nvSpPr>
+        <p:spPr>
+          <a:xfrm>
+            <a:off x="11017539" y="467397"/>
+            <a:ext cx="695829" cy="5919116"/>
+          </a:xfrm>
+          <a:prstGeom prst="rect">
+            <a:avLst/>
+          </a:prstGeom>
+          <a:solidFill>
+            <a:schemeClr val="accent1"/>
+          </a:solidFill>
+          <a:ln>
+            <a:noFill/>
+          </a:ln>
+          <a:effectLst/>
+        </p:spPr>
+        <p:style>
+          <a:lnRef idx="1">
+            <a:schemeClr val="accent1"/>
+          </a:lnRef>
+          <a:fillRef idx="3">
+            <a:schemeClr val="accent1"/>
+          </a:fillRef>
+          <a:effectRef idx="2">
+            <a:schemeClr val="accent1"/>
+          </a:effectRef>
+          <a:fontRef idx="minor">
+            <a:schemeClr val="lt1"/>
+          </a:fontRef>
+        </p:style>
+      </p:sp>
+      <p:grpSp>
+        <p:nvGrpSpPr>
+          <p:cNvPr id="12" name="Group 11">
+            <a:extLst>
+              <a:ext uri="{FF2B5EF4-FFF2-40B4-BE49-F238E27FC236}">
+                <a16:creationId xmlns:a16="http://schemas.microsoft.com/office/drawing/2014/main" id="{3086C462-37F4-494D-8292-CCB95221CC1A}"/>
+              </a:ext>
+              <a:ext uri="{C183D7F6-B498-43B3-948B-1728B52AA6E4}">
+                <adec:decorative xmlns:adec="http://schemas.microsoft.com/office/drawing/2017/decorative" val="1"/>
+              </a:ext>
+            </a:extLst>
+          </p:cNvPr>
+          <p:cNvGrpSpPr>
+            <a:grpSpLocks noGrp="1" noUngrp="1" noRot="1" noChangeAspect="1" noMove="1" noResize="1"/>
+          </p:cNvGrpSpPr>
+          <p:nvPr>
+            <p:extLst>
+              <p:ext uri="{386F3935-93C4-4BCD-93E2-E3B085C9AB24}">
+                <p16:designElem xmlns:p16="http://schemas.microsoft.com/office/powerpoint/2015/main" val="1"/>
+              </p:ext>
+            </p:extLst>
+          </p:nvPr>
+        </p:nvGrpSpPr>
+        <p:grpSpPr>
+          <a:xfrm>
+            <a:off x="0" y="0"/>
+            <a:ext cx="12192000" cy="6858000"/>
+            <a:chOff x="0" y="0"/>
+            <a:chExt cx="12192000" cy="6858000"/>
+          </a:xfrm>
+          <a:noFill/>
+        </p:grpSpPr>
+        <p:sp>
+          <p:nvSpPr>
+            <p:cNvPr id="13" name="Rectangle 12">
+              <a:extLst>
+                <a:ext uri="{FF2B5EF4-FFF2-40B4-BE49-F238E27FC236}">
+                  <a16:creationId xmlns:a16="http://schemas.microsoft.com/office/drawing/2014/main" id="{2C7D2D64-353F-4802-AA48-A70CE6020B93}"/>
+                </a:ext>
+                <a:ext uri="{C183D7F6-B498-43B3-948B-1728B52AA6E4}">
+                  <adec:decorative xmlns:adec="http://schemas.microsoft.com/office/drawing/2017/decorative" val="1"/>
+                </a:ext>
+              </a:extLst>
+            </p:cNvPr>
+            <p:cNvSpPr/>
+            <p:nvPr>
+              <p:extLst>
+                <p:ext uri="{386F3935-93C4-4BCD-93E2-E3B085C9AB24}">
+                  <p16:designElem xmlns:p16="http://schemas.microsoft.com/office/powerpoint/2015/main" val="1"/>
+                </p:ext>
+              </p:extLst>
+            </p:nvPr>
+          </p:nvSpPr>
+          <p:spPr>
+            <a:xfrm>
+              <a:off x="0" y="0"/>
+              <a:ext cx="12192000" cy="6858000"/>
+            </a:xfrm>
+            <a:prstGeom prst="rect">
+              <a:avLst/>
+            </a:prstGeom>
+            <a:noFill/>
+            <a:ln>
+              <a:noFill/>
+            </a:ln>
+          </p:spPr>
+          <p:style>
+            <a:lnRef idx="2">
+              <a:schemeClr val="accent1">
+                <a:shade val="50000"/>
+              </a:schemeClr>
+            </a:lnRef>
+            <a:fillRef idx="1">
+              <a:schemeClr val="accent1"/>
+            </a:fillRef>
+            <a:effectRef idx="0">
+              <a:schemeClr val="accent1"/>
+            </a:effectRef>
+            <a:fontRef idx="minor">
+              <a:schemeClr val="lt1"/>
+            </a:fontRef>
+          </p:style>
+        </p:sp>
+        <p:sp>
+          <p:nvSpPr>
+            <p:cNvPr id="14" name="Freeform 5">
+              <a:extLst>
+                <a:ext uri="{FF2B5EF4-FFF2-40B4-BE49-F238E27FC236}">
+                  <a16:creationId xmlns:a16="http://schemas.microsoft.com/office/drawing/2014/main" id="{30A6328F-CAA3-4052-BF4C-14BD47706E65}"/>
+                </a:ext>
+                <a:ext uri="{C183D7F6-B498-43B3-948B-1728B52AA6E4}">
+                  <adec:decorative xmlns:adec="http://schemas.microsoft.com/office/drawing/2017/decorative" val="1"/>
+                </a:ext>
+              </a:extLst>
+            </p:cNvPr>
+            <p:cNvSpPr>
+              <a:spLocks noEditPoints="1"/>
+            </p:cNvSpPr>
+            <p:nvPr>
+              <p:extLst>
+                <p:ext uri="{386F3935-93C4-4BCD-93E2-E3B085C9AB24}">
+                  <p16:designElem xmlns:p16="http://schemas.microsoft.com/office/powerpoint/2015/main" val="1"/>
+                </p:ext>
+              </p:extLst>
+            </p:nvPr>
+          </p:nvSpPr>
+          <p:spPr bwMode="gray">
+            <a:xfrm>
+              <a:off x="0" y="1587"/>
+              <a:ext cx="12192000" cy="6856413"/>
+            </a:xfrm>
+            <a:custGeom>
+              <a:avLst/>
+              <a:gdLst/>
+              <a:ahLst/>
+              <a:cxnLst/>
+              <a:rect l="0" t="0" r="r" b="b"/>
+              <a:pathLst>
+                <a:path w="15356" h="8638">
+                  <a:moveTo>
+                    <a:pt x="0" y="0"/>
+                  </a:moveTo>
+                  <a:lnTo>
+                    <a:pt x="0" y="8638"/>
+                  </a:lnTo>
+                  <a:lnTo>
+                    <a:pt x="15356" y="8638"/>
+                  </a:lnTo>
+                  <a:lnTo>
+                    <a:pt x="15356" y="0"/>
+                  </a:lnTo>
+                  <a:lnTo>
+                    <a:pt x="0" y="0"/>
+                  </a:lnTo>
+                  <a:close/>
+                  <a:moveTo>
+                    <a:pt x="14748" y="8038"/>
+                  </a:moveTo>
+                  <a:lnTo>
+                    <a:pt x="600" y="8038"/>
+                  </a:lnTo>
+                  <a:lnTo>
+                    <a:pt x="600" y="592"/>
+                  </a:lnTo>
+                  <a:lnTo>
+                    <a:pt x="14748" y="592"/>
+                  </a:lnTo>
+                  <a:lnTo>
+                    <a:pt x="14748" y="8038"/>
+                  </a:lnTo>
+                  <a:close/>
+                </a:path>
+              </a:pathLst>
+            </a:custGeom>
+            <a:solidFill>
+              <a:srgbClr val="FFFFFF"/>
+            </a:solidFill>
+            <a:ln>
+              <a:noFill/>
+            </a:ln>
+          </p:spPr>
+        </p:sp>
+      </p:grpSp>
+      <p:sp>
+        <p:nvSpPr>
+          <p:cNvPr id="2" name="Title 1">
+            <a:extLst>
+              <a:ext uri="{FF2B5EF4-FFF2-40B4-BE49-F238E27FC236}">
                 <a16:creationId xmlns:a16="http://schemas.microsoft.com/office/drawing/2014/main" id="{E9A57A44-4742-46DA-95CE-F74E3E0AE871}"/>
               </a:ext>
             </a:extLst>
@@ -15075,7 +15487,7 @@
 </p:sld>
 </file>
 
-<file path=ppt/slides/slide5.xml><?xml version="1.0" encoding="utf-8"?>
+<file path=ppt/slides/slide6.xml><?xml version="1.0" encoding="utf-8"?>
 <p:sld xmlns:a="http://schemas.openxmlformats.org/drawingml/2006/main" xmlns:r="http://schemas.openxmlformats.org/officeDocument/2006/relationships" xmlns:p="http://schemas.openxmlformats.org/presentationml/2006/main">
   <p:cSld>
     <p:bg>
@@ -15567,7 +15979,417 @@
 </p:sld>
 </file>
 
-<file path=ppt/slides/slide6.xml><?xml version="1.0" encoding="utf-8"?>
+<file path=ppt/slides/slide7.xml><?xml version="1.0" encoding="utf-8"?>
+<p:sld xmlns:a="http://schemas.openxmlformats.org/drawingml/2006/main" xmlns:r="http://schemas.openxmlformats.org/officeDocument/2006/relationships" xmlns:p="http://schemas.openxmlformats.org/presentationml/2006/main">
+  <p:cSld>
+    <p:bg>
+      <p:bgPr>
+        <a:gradFill rotWithShape="1">
+          <a:gsLst>
+            <a:gs pos="0">
+              <a:schemeClr val="bg1">
+                <a:tint val="98000"/>
+                <a:hueMod val="124000"/>
+                <a:satMod val="148000"/>
+                <a:lumMod val="124000"/>
+              </a:schemeClr>
+            </a:gs>
+            <a:gs pos="100000">
+              <a:schemeClr val="bg1">
+                <a:shade val="76000"/>
+                <a:hueMod val="89000"/>
+                <a:satMod val="164000"/>
+                <a:lumMod val="56000"/>
+              </a:schemeClr>
+            </a:gs>
+          </a:gsLst>
+          <a:path path="circle">
+            <a:fillToRect l="45000" t="65000" r="125000" b="100000"/>
+          </a:path>
+        </a:gradFill>
+        <a:effectLst/>
+      </p:bgPr>
+    </p:bg>
+    <p:spTree>
+      <p:nvGrpSpPr>
+        <p:cNvPr id="1" name=""/>
+        <p:cNvGrpSpPr/>
+        <p:nvPr/>
+      </p:nvGrpSpPr>
+      <p:grpSpPr>
+        <a:xfrm>
+          <a:off x="0" y="0"/>
+          <a:ext cx="0" cy="0"/>
+          <a:chOff x="0" y="0"/>
+          <a:chExt cx="0" cy="0"/>
+        </a:xfrm>
+      </p:grpSpPr>
+      <p:sp useBgFill="1">
+        <p:nvSpPr>
+          <p:cNvPr id="8" name="Rectangle 7">
+            <a:extLst>
+              <a:ext uri="{FF2B5EF4-FFF2-40B4-BE49-F238E27FC236}">
+                <a16:creationId xmlns:a16="http://schemas.microsoft.com/office/drawing/2014/main" id="{B219AE65-9B94-44EA-BEF3-EF4BFA169C81}"/>
+              </a:ext>
+              <a:ext uri="{C183D7F6-B498-43B3-948B-1728B52AA6E4}">
+                <adec:decorative xmlns:adec="http://schemas.microsoft.com/office/drawing/2017/decorative" val="1"/>
+              </a:ext>
+            </a:extLst>
+          </p:cNvPr>
+          <p:cNvSpPr>
+            <a:spLocks noGrp="1" noRot="1" noChangeAspect="1" noMove="1" noResize="1" noEditPoints="1" noAdjustHandles="1" noChangeArrowheads="1" noChangeShapeType="1" noTextEdit="1"/>
+          </p:cNvSpPr>
+          <p:nvPr>
+            <p:extLst>
+              <p:ext uri="{386F3935-93C4-4BCD-93E2-E3B085C9AB24}">
+                <p16:designElem xmlns:p16="http://schemas.microsoft.com/office/powerpoint/2015/main" val="1"/>
+              </p:ext>
+            </p:extLst>
+          </p:nvPr>
+        </p:nvSpPr>
+        <p:spPr>
+          <a:xfrm>
+            <a:off x="0" y="0"/>
+            <a:ext cx="12192000" cy="6858000"/>
+          </a:xfrm>
+          <a:prstGeom prst="rect">
+            <a:avLst/>
+          </a:prstGeom>
+          <a:ln>
+            <a:noFill/>
+          </a:ln>
+        </p:spPr>
+        <p:style>
+          <a:lnRef idx="2">
+            <a:schemeClr val="accent1">
+              <a:shade val="50000"/>
+            </a:schemeClr>
+          </a:lnRef>
+          <a:fillRef idx="1">
+            <a:schemeClr val="accent1"/>
+          </a:fillRef>
+          <a:effectRef idx="0">
+            <a:schemeClr val="accent1"/>
+          </a:effectRef>
+          <a:fontRef idx="minor">
+            <a:schemeClr val="lt1"/>
+          </a:fontRef>
+        </p:style>
+        <p:txBody>
+          <a:bodyPr rtlCol="0" anchor="ctr"/>
+          <a:lstStyle/>
+          <a:p>
+            <a:pPr algn="ctr"/>
+            <a:endParaRPr lang="en-US"/>
+          </a:p>
+        </p:txBody>
+      </p:sp>
+      <p:sp>
+        <p:nvSpPr>
+          <p:cNvPr id="10" name="Rectangle 9">
+            <a:extLst>
+              <a:ext uri="{FF2B5EF4-FFF2-40B4-BE49-F238E27FC236}">
+                <a16:creationId xmlns:a16="http://schemas.microsoft.com/office/drawing/2014/main" id="{F0C81A57-9CD5-461B-8FFE-4A8CB6CFBE01}"/>
+              </a:ext>
+              <a:ext uri="{C183D7F6-B498-43B3-948B-1728B52AA6E4}">
+                <adec:decorative xmlns:adec="http://schemas.microsoft.com/office/drawing/2017/decorative" val="1"/>
+              </a:ext>
+            </a:extLst>
+          </p:cNvPr>
+          <p:cNvSpPr>
+            <a:spLocks noGrp="1" noRot="1" noChangeAspect="1" noMove="1" noResize="1" noEditPoints="1" noAdjustHandles="1" noChangeArrowheads="1" noChangeShapeType="1" noTextEdit="1"/>
+          </p:cNvSpPr>
+          <p:nvPr>
+            <p:extLst>
+              <p:ext uri="{386F3935-93C4-4BCD-93E2-E3B085C9AB24}">
+                <p16:designElem xmlns:p16="http://schemas.microsoft.com/office/powerpoint/2015/main" val="1"/>
+              </p:ext>
+            </p:extLst>
+          </p:nvPr>
+        </p:nvSpPr>
+        <p:spPr>
+          <a:xfrm>
+            <a:off x="11017539" y="467397"/>
+            <a:ext cx="695829" cy="5919116"/>
+          </a:xfrm>
+          <a:prstGeom prst="rect">
+            <a:avLst/>
+          </a:prstGeom>
+          <a:solidFill>
+            <a:schemeClr val="accent1"/>
+          </a:solidFill>
+          <a:ln>
+            <a:noFill/>
+          </a:ln>
+          <a:effectLst/>
+        </p:spPr>
+        <p:style>
+          <a:lnRef idx="1">
+            <a:schemeClr val="accent1"/>
+          </a:lnRef>
+          <a:fillRef idx="3">
+            <a:schemeClr val="accent1"/>
+          </a:fillRef>
+          <a:effectRef idx="2">
+            <a:schemeClr val="accent1"/>
+          </a:effectRef>
+          <a:fontRef idx="minor">
+            <a:schemeClr val="lt1"/>
+          </a:fontRef>
+        </p:style>
+      </p:sp>
+      <p:grpSp>
+        <p:nvGrpSpPr>
+          <p:cNvPr id="12" name="Group 11">
+            <a:extLst>
+              <a:ext uri="{FF2B5EF4-FFF2-40B4-BE49-F238E27FC236}">
+                <a16:creationId xmlns:a16="http://schemas.microsoft.com/office/drawing/2014/main" id="{3086C462-37F4-494D-8292-CCB95221CC1A}"/>
+              </a:ext>
+              <a:ext uri="{C183D7F6-B498-43B3-948B-1728B52AA6E4}">
+                <adec:decorative xmlns:adec="http://schemas.microsoft.com/office/drawing/2017/decorative" val="1"/>
+              </a:ext>
+            </a:extLst>
+          </p:cNvPr>
+          <p:cNvGrpSpPr>
+            <a:grpSpLocks noGrp="1" noUngrp="1" noRot="1" noChangeAspect="1" noMove="1" noResize="1"/>
+          </p:cNvGrpSpPr>
+          <p:nvPr>
+            <p:extLst>
+              <p:ext uri="{386F3935-93C4-4BCD-93E2-E3B085C9AB24}">
+                <p16:designElem xmlns:p16="http://schemas.microsoft.com/office/powerpoint/2015/main" val="1"/>
+              </p:ext>
+            </p:extLst>
+          </p:nvPr>
+        </p:nvGrpSpPr>
+        <p:grpSpPr>
+          <a:xfrm>
+            <a:off x="0" y="0"/>
+            <a:ext cx="12192000" cy="6858000"/>
+            <a:chOff x="0" y="0"/>
+            <a:chExt cx="12192000" cy="6858000"/>
+          </a:xfrm>
+          <a:noFill/>
+        </p:grpSpPr>
+        <p:sp>
+          <p:nvSpPr>
+            <p:cNvPr id="13" name="Rectangle 12">
+              <a:extLst>
+                <a:ext uri="{FF2B5EF4-FFF2-40B4-BE49-F238E27FC236}">
+                  <a16:creationId xmlns:a16="http://schemas.microsoft.com/office/drawing/2014/main" id="{2C7D2D64-353F-4802-AA48-A70CE6020B93}"/>
+                </a:ext>
+                <a:ext uri="{C183D7F6-B498-43B3-948B-1728B52AA6E4}">
+                  <adec:decorative xmlns:adec="http://schemas.microsoft.com/office/drawing/2017/decorative" val="1"/>
+                </a:ext>
+              </a:extLst>
+            </p:cNvPr>
+            <p:cNvSpPr/>
+            <p:nvPr>
+              <p:extLst>
+                <p:ext uri="{386F3935-93C4-4BCD-93E2-E3B085C9AB24}">
+                  <p16:designElem xmlns:p16="http://schemas.microsoft.com/office/powerpoint/2015/main" val="1"/>
+                </p:ext>
+              </p:extLst>
+            </p:nvPr>
+          </p:nvSpPr>
+          <p:spPr>
+            <a:xfrm>
+              <a:off x="0" y="0"/>
+              <a:ext cx="12192000" cy="6858000"/>
+            </a:xfrm>
+            <a:prstGeom prst="rect">
+              <a:avLst/>
+            </a:prstGeom>
+            <a:noFill/>
+            <a:ln>
+              <a:noFill/>
+            </a:ln>
+          </p:spPr>
+          <p:style>
+            <a:lnRef idx="2">
+              <a:schemeClr val="accent1">
+                <a:shade val="50000"/>
+              </a:schemeClr>
+            </a:lnRef>
+            <a:fillRef idx="1">
+              <a:schemeClr val="accent1"/>
+            </a:fillRef>
+            <a:effectRef idx="0">
+              <a:schemeClr val="accent1"/>
+            </a:effectRef>
+            <a:fontRef idx="minor">
+              <a:schemeClr val="lt1"/>
+            </a:fontRef>
+          </p:style>
+        </p:sp>
+        <p:sp>
+          <p:nvSpPr>
+            <p:cNvPr id="14" name="Freeform 5">
+              <a:extLst>
+                <a:ext uri="{FF2B5EF4-FFF2-40B4-BE49-F238E27FC236}">
+                  <a16:creationId xmlns:a16="http://schemas.microsoft.com/office/drawing/2014/main" id="{30A6328F-CAA3-4052-BF4C-14BD47706E65}"/>
+                </a:ext>
+                <a:ext uri="{C183D7F6-B498-43B3-948B-1728B52AA6E4}">
+                  <adec:decorative xmlns:adec="http://schemas.microsoft.com/office/drawing/2017/decorative" val="1"/>
+                </a:ext>
+              </a:extLst>
+            </p:cNvPr>
+            <p:cNvSpPr>
+              <a:spLocks noEditPoints="1"/>
+            </p:cNvSpPr>
+            <p:nvPr>
+              <p:extLst>
+                <p:ext uri="{386F3935-93C4-4BCD-93E2-E3B085C9AB24}">
+                  <p16:designElem xmlns:p16="http://schemas.microsoft.com/office/powerpoint/2015/main" val="1"/>
+                </p:ext>
+              </p:extLst>
+            </p:nvPr>
+          </p:nvSpPr>
+          <p:spPr bwMode="gray">
+            <a:xfrm>
+              <a:off x="0" y="1587"/>
+              <a:ext cx="12192000" cy="6856413"/>
+            </a:xfrm>
+            <a:custGeom>
+              <a:avLst/>
+              <a:gdLst/>
+              <a:ahLst/>
+              <a:cxnLst/>
+              <a:rect l="0" t="0" r="r" b="b"/>
+              <a:pathLst>
+                <a:path w="15356" h="8638">
+                  <a:moveTo>
+                    <a:pt x="0" y="0"/>
+                  </a:moveTo>
+                  <a:lnTo>
+                    <a:pt x="0" y="8638"/>
+                  </a:lnTo>
+                  <a:lnTo>
+                    <a:pt x="15356" y="8638"/>
+                  </a:lnTo>
+                  <a:lnTo>
+                    <a:pt x="15356" y="0"/>
+                  </a:lnTo>
+                  <a:lnTo>
+                    <a:pt x="0" y="0"/>
+                  </a:lnTo>
+                  <a:close/>
+                  <a:moveTo>
+                    <a:pt x="14748" y="8038"/>
+                  </a:moveTo>
+                  <a:lnTo>
+                    <a:pt x="600" y="8038"/>
+                  </a:lnTo>
+                  <a:lnTo>
+                    <a:pt x="600" y="592"/>
+                  </a:lnTo>
+                  <a:lnTo>
+                    <a:pt x="14748" y="592"/>
+                  </a:lnTo>
+                  <a:lnTo>
+                    <a:pt x="14748" y="8038"/>
+                  </a:lnTo>
+                  <a:close/>
+                </a:path>
+              </a:pathLst>
+            </a:custGeom>
+            <a:solidFill>
+              <a:srgbClr val="FFFFFF"/>
+            </a:solidFill>
+            <a:ln>
+              <a:noFill/>
+            </a:ln>
+          </p:spPr>
+        </p:sp>
+      </p:grpSp>
+      <p:sp>
+        <p:nvSpPr>
+          <p:cNvPr id="2" name="Title 1">
+            <a:extLst>
+              <a:ext uri="{FF2B5EF4-FFF2-40B4-BE49-F238E27FC236}">
+                <a16:creationId xmlns:a16="http://schemas.microsoft.com/office/drawing/2014/main" id="{D61A4BDC-E96A-4B41-8CC1-B8270E636CE5}"/>
+              </a:ext>
+            </a:extLst>
+          </p:cNvPr>
+          <p:cNvSpPr>
+            <a:spLocks noGrp="1"/>
+          </p:cNvSpPr>
+          <p:nvPr>
+            <p:ph type="title"/>
+          </p:nvPr>
+        </p:nvSpPr>
+        <p:spPr>
+          <a:xfrm>
+            <a:off x="1128166" y="821095"/>
+            <a:ext cx="9230185" cy="1069909"/>
+          </a:xfrm>
+        </p:spPr>
+        <p:txBody>
+          <a:bodyPr>
+            <a:normAutofit/>
+          </a:bodyPr>
+          <a:lstStyle/>
+          <a:p>
+            <a:r>
+              <a:rPr lang="en-US" b="1">
+                <a:solidFill>
+                  <a:schemeClr val="tx1"/>
+                </a:solidFill>
+              </a:rPr>
+              <a:t>QUESTIONS</a:t>
+            </a:r>
+          </a:p>
+        </p:txBody>
+      </p:sp>
+      <p:sp>
+        <p:nvSpPr>
+          <p:cNvPr id="3" name="Content Placeholder 2">
+            <a:extLst>
+              <a:ext uri="{FF2B5EF4-FFF2-40B4-BE49-F238E27FC236}">
+                <a16:creationId xmlns:a16="http://schemas.microsoft.com/office/drawing/2014/main" id="{A8483DF4-A2C8-4988-918D-DE02715E7C23}"/>
+              </a:ext>
+            </a:extLst>
+          </p:cNvPr>
+          <p:cNvSpPr>
+            <a:spLocks noGrp="1"/>
+          </p:cNvSpPr>
+          <p:nvPr>
+            <p:ph idx="1"/>
+          </p:nvPr>
+        </p:nvSpPr>
+        <p:spPr>
+          <a:xfrm>
+            <a:off x="1128166" y="2202025"/>
+            <a:ext cx="7645173" cy="3508310"/>
+          </a:xfrm>
+        </p:spPr>
+        <p:txBody>
+          <a:bodyPr anchor="t">
+            <a:normAutofit/>
+          </a:bodyPr>
+          <a:lstStyle/>
+          <a:p>
+            <a:endParaRPr lang="en-US">
+              <a:solidFill>
+                <a:schemeClr val="tx1"/>
+              </a:solidFill>
+            </a:endParaRPr>
+          </a:p>
+        </p:txBody>
+      </p:sp>
+    </p:spTree>
+    <p:extLst>
+      <p:ext uri="{BB962C8B-B14F-4D97-AF65-F5344CB8AC3E}">
+        <p14:creationId xmlns:p14="http://schemas.microsoft.com/office/powerpoint/2010/main" val="705064038"/>
+      </p:ext>
+    </p:extLst>
+  </p:cSld>
+  <p:clrMapOvr>
+    <a:overrideClrMapping bg1="dk1" tx1="lt1" bg2="dk2" tx2="lt2" accent1="accent1" accent2="accent2" accent3="accent3" accent4="accent4" accent5="accent5" accent6="accent6" hlink="hlink" folHlink="folHlink"/>
+  </p:clrMapOvr>
+</p:sld>
+</file>
+
+<file path=ppt/slides/slide8.xml><?xml version="1.0" encoding="utf-8"?>
 <p:sld xmlns:a="http://schemas.openxmlformats.org/drawingml/2006/main" xmlns:r="http://schemas.openxmlformats.org/officeDocument/2006/relationships" xmlns:p="http://schemas.openxmlformats.org/presentationml/2006/main">
   <p:cSld>
     <p:spTree>

--- a/Demo Presentation/Demo Presentation.pptx
+++ b/Demo Presentation/Demo Presentation.pptx
@@ -12,7 +12,6 @@
     <p:sldId id="259" r:id="rId6"/>
     <p:sldId id="260" r:id="rId7"/>
     <p:sldId id="263" r:id="rId8"/>
-    <p:sldId id="261" r:id="rId9"/>
   </p:sldIdLst>
   <p:sldSz cx="12192000" cy="6858000"/>
   <p:notesSz cx="6858000" cy="9144000"/>
@@ -14480,7 +14479,7 @@
           <a:lstStyle/>
           <a:p>
             <a:r>
-              <a:rPr lang="en-US" b="1" dirty="0">
+              <a:rPr lang="en-US" sz="6000" b="1" dirty="0">
                 <a:solidFill>
                   <a:schemeClr val="tx1"/>
                 </a:solidFill>
@@ -14508,7 +14507,7 @@
         </p:nvSpPr>
         <p:spPr>
           <a:xfrm>
-            <a:off x="1128166" y="2202025"/>
+            <a:off x="1128166" y="2403360"/>
             <a:ext cx="7645173" cy="3508310"/>
           </a:xfrm>
         </p:spPr>
@@ -14517,6 +14516,47 @@
             <a:normAutofit/>
           </a:bodyPr>
           <a:lstStyle/>
+          <a:p>
+            <a:r>
+              <a:rPr lang="ro-RO" sz="2800">
+                <a:solidFill>
+                  <a:schemeClr val="tx1"/>
+                </a:solidFill>
+              </a:rPr>
+              <a:t>Non-casual male players</a:t>
+            </a:r>
+          </a:p>
+          <a:p>
+            <a:r>
+              <a:rPr lang="ro-RO" sz="2800">
+                <a:solidFill>
+                  <a:schemeClr val="tx1"/>
+                </a:solidFill>
+              </a:rPr>
+              <a:t>Teenagers &amp; young adults </a:t>
+            </a:r>
+          </a:p>
+          <a:p>
+            <a:pPr lvl="1"/>
+            <a:r>
+              <a:rPr lang="ro-RO" sz="2800">
+                <a:solidFill>
+                  <a:schemeClr val="tx1"/>
+                </a:solidFill>
+              </a:rPr>
+              <a:t>15 – 30 years old</a:t>
+            </a:r>
+          </a:p>
+          <a:p>
+            <a:r>
+              <a:rPr lang="ro-RO" sz="2800">
+                <a:solidFill>
+                  <a:schemeClr val="tx1"/>
+                </a:solidFill>
+              </a:rPr>
+              <a:t>Players who prefer a challenge</a:t>
+            </a:r>
+          </a:p>
           <a:p>
             <a:endParaRPr lang="en-US">
               <a:solidFill>
@@ -16319,56 +16359,33 @@
         </p:nvSpPr>
         <p:spPr>
           <a:xfrm>
-            <a:off x="1128166" y="821095"/>
-            <a:ext cx="9230185" cy="1069909"/>
+            <a:off x="2373080" y="2352651"/>
+            <a:ext cx="7445840" cy="2148608"/>
           </a:xfrm>
         </p:spPr>
         <p:txBody>
           <a:bodyPr>
-            <a:normAutofit/>
+            <a:noAutofit/>
           </a:bodyPr>
           <a:lstStyle/>
           <a:p>
             <a:r>
-              <a:rPr lang="en-US" b="1">
+              <a:rPr lang="en-US" sz="9600" b="1">
                 <a:solidFill>
                   <a:schemeClr val="tx1"/>
                 </a:solidFill>
               </a:rPr>
               <a:t>QUESTIONS</a:t>
             </a:r>
-          </a:p>
-        </p:txBody>
-      </p:sp>
-      <p:sp>
-        <p:nvSpPr>
-          <p:cNvPr id="3" name="Content Placeholder 2">
-            <a:extLst>
-              <a:ext uri="{FF2B5EF4-FFF2-40B4-BE49-F238E27FC236}">
-                <a16:creationId xmlns:a16="http://schemas.microsoft.com/office/drawing/2014/main" id="{A8483DF4-A2C8-4988-918D-DE02715E7C23}"/>
-              </a:ext>
-            </a:extLst>
-          </p:cNvPr>
-          <p:cNvSpPr>
-            <a:spLocks noGrp="1"/>
-          </p:cNvSpPr>
-          <p:nvPr>
-            <p:ph idx="1"/>
-          </p:nvPr>
-        </p:nvSpPr>
-        <p:spPr>
-          <a:xfrm>
-            <a:off x="1128166" y="2202025"/>
-            <a:ext cx="7645173" cy="3508310"/>
-          </a:xfrm>
-        </p:spPr>
-        <p:txBody>
-          <a:bodyPr anchor="t">
-            <a:normAutofit/>
-          </a:bodyPr>
-          <a:lstStyle/>
-          <a:p>
-            <a:endParaRPr lang="en-US">
+            <a:r>
+              <a:rPr lang="ro-RO" sz="9600" b="1">
+                <a:solidFill>
+                  <a:schemeClr val="tx1"/>
+                </a:solidFill>
+              </a:rPr>
+              <a:t>?</a:t>
+            </a:r>
+            <a:endParaRPr lang="en-US" sz="9600" b="1">
               <a:solidFill>
                 <a:schemeClr val="tx1"/>
               </a:solidFill>
@@ -16385,80 +16402,6 @@
   </p:cSld>
   <p:clrMapOvr>
     <a:overrideClrMapping bg1="dk1" tx1="lt1" bg2="dk2" tx2="lt2" accent1="accent1" accent2="accent2" accent3="accent3" accent4="accent4" accent5="accent5" accent6="accent6" hlink="hlink" folHlink="folHlink"/>
-  </p:clrMapOvr>
-</p:sld>
-</file>
-
-<file path=ppt/slides/slide8.xml><?xml version="1.0" encoding="utf-8"?>
-<p:sld xmlns:a="http://schemas.openxmlformats.org/drawingml/2006/main" xmlns:r="http://schemas.openxmlformats.org/officeDocument/2006/relationships" xmlns:p="http://schemas.openxmlformats.org/presentationml/2006/main">
-  <p:cSld>
-    <p:spTree>
-      <p:nvGrpSpPr>
-        <p:cNvPr id="1" name=""/>
-        <p:cNvGrpSpPr/>
-        <p:nvPr/>
-      </p:nvGrpSpPr>
-      <p:grpSpPr>
-        <a:xfrm>
-          <a:off x="0" y="0"/>
-          <a:ext cx="0" cy="0"/>
-          <a:chOff x="0" y="0"/>
-          <a:chExt cx="0" cy="0"/>
-        </a:xfrm>
-      </p:grpSpPr>
-      <p:sp>
-        <p:nvSpPr>
-          <p:cNvPr id="2" name="Title 1">
-            <a:extLst>
-              <a:ext uri="{FF2B5EF4-FFF2-40B4-BE49-F238E27FC236}">
-                <a16:creationId xmlns:a16="http://schemas.microsoft.com/office/drawing/2014/main" id="{DE6C44C1-102C-48F7-A6DA-6B6299C36912}"/>
-              </a:ext>
-            </a:extLst>
-          </p:cNvPr>
-          <p:cNvSpPr>
-            <a:spLocks noGrp="1"/>
-          </p:cNvSpPr>
-          <p:nvPr>
-            <p:ph type="title"/>
-          </p:nvPr>
-        </p:nvSpPr>
-        <p:spPr>
-          <a:xfrm>
-            <a:off x="2343947" y="2613963"/>
-            <a:ext cx="7504105" cy="1630074"/>
-          </a:xfrm>
-        </p:spPr>
-        <p:txBody>
-          <a:bodyPr>
-            <a:noAutofit/>
-          </a:bodyPr>
-          <a:lstStyle/>
-          <a:p>
-            <a:r>
-              <a:rPr lang="ro-RO" sz="9600" b="1">
-                <a:solidFill>
-                  <a:schemeClr val="tx1"/>
-                </a:solidFill>
-              </a:rPr>
-              <a:t>QUESTIONS?</a:t>
-            </a:r>
-            <a:endParaRPr lang="en-GB" sz="9600" b="1">
-              <a:solidFill>
-                <a:schemeClr val="tx1"/>
-              </a:solidFill>
-            </a:endParaRPr>
-          </a:p>
-        </p:txBody>
-      </p:sp>
-    </p:spTree>
-    <p:extLst>
-      <p:ext uri="{BB962C8B-B14F-4D97-AF65-F5344CB8AC3E}">
-        <p14:creationId xmlns:p14="http://schemas.microsoft.com/office/powerpoint/2010/main" val="8844320"/>
-      </p:ext>
-    </p:extLst>
-  </p:cSld>
-  <p:clrMapOvr>
-    <a:masterClrMapping/>
   </p:clrMapOvr>
 </p:sld>
 </file>

--- a/Demo Presentation/Demo Presentation.pptx
+++ b/Demo Presentation/Demo Presentation.pptx
@@ -453,7 +453,7 @@
           <a:p>
             <a:fld id="{63A1C593-65D0-4073-BCC9-577B9352EA97}" type="datetimeFigureOut">
               <a:rPr lang="en-US" smtClean="0"/>
-              <a:t>05-Mar-19</a:t>
+              <a:t>06-Mar-19</a:t>
             </a:fld>
             <a:endParaRPr lang="en-US"/>
           </a:p>
@@ -1541,7 +1541,7 @@
           <a:p>
             <a:fld id="{63A1C593-65D0-4073-BCC9-577B9352EA97}" type="datetimeFigureOut">
               <a:rPr lang="en-US" smtClean="0"/>
-              <a:t>05-Mar-19</a:t>
+              <a:t>06-Mar-19</a:t>
             </a:fld>
             <a:endParaRPr lang="en-US"/>
           </a:p>
@@ -2521,7 +2521,7 @@
           <a:p>
             <a:fld id="{63A1C593-65D0-4073-BCC9-577B9352EA97}" type="datetimeFigureOut">
               <a:rPr lang="en-US" smtClean="0"/>
-              <a:t>05-Mar-19</a:t>
+              <a:t>06-Mar-19</a:t>
             </a:fld>
             <a:endParaRPr lang="en-US"/>
           </a:p>
@@ -3655,7 +3655,7 @@
           <a:p>
             <a:fld id="{63A1C593-65D0-4073-BCC9-577B9352EA97}" type="datetimeFigureOut">
               <a:rPr lang="en-US" smtClean="0"/>
-              <a:t>05-Mar-19</a:t>
+              <a:t>06-Mar-19</a:t>
             </a:fld>
             <a:endParaRPr lang="en-US"/>
           </a:p>
@@ -4688,7 +4688,7 @@
           <a:p>
             <a:fld id="{63A1C593-65D0-4073-BCC9-577B9352EA97}" type="datetimeFigureOut">
               <a:rPr lang="en-US" smtClean="0"/>
-              <a:t>05-Mar-19</a:t>
+              <a:t>06-Mar-19</a:t>
             </a:fld>
             <a:endParaRPr lang="en-US"/>
           </a:p>
@@ -5348,7 +5348,7 @@
           <a:p>
             <a:fld id="{63A1C593-65D0-4073-BCC9-577B9352EA97}" type="datetimeFigureOut">
               <a:rPr lang="en-US" smtClean="0"/>
-              <a:t>05-Mar-19</a:t>
+              <a:t>06-Mar-19</a:t>
             </a:fld>
             <a:endParaRPr lang="en-US"/>
           </a:p>
@@ -6209,7 +6209,7 @@
           <a:p>
             <a:fld id="{63A1C593-65D0-4073-BCC9-577B9352EA97}" type="datetimeFigureOut">
               <a:rPr lang="en-US" smtClean="0"/>
-              <a:t>05-Mar-19</a:t>
+              <a:t>06-Mar-19</a:t>
             </a:fld>
             <a:endParaRPr lang="en-US"/>
           </a:p>
@@ -6399,7 +6399,7 @@
           <a:p>
             <a:fld id="{63A1C593-65D0-4073-BCC9-577B9352EA97}" type="datetimeFigureOut">
               <a:rPr lang="en-US" smtClean="0"/>
-              <a:t>05-Mar-19</a:t>
+              <a:t>06-Mar-19</a:t>
             </a:fld>
             <a:endParaRPr lang="en-US"/>
           </a:p>
@@ -7371,7 +7371,7 @@
           <a:p>
             <a:fld id="{63A1C593-65D0-4073-BCC9-577B9352EA97}" type="datetimeFigureOut">
               <a:rPr lang="en-US" smtClean="0"/>
-              <a:t>05-Mar-19</a:t>
+              <a:t>06-Mar-19</a:t>
             </a:fld>
             <a:endParaRPr lang="en-US"/>
           </a:p>
@@ -7582,7 +7582,7 @@
           <a:p>
             <a:fld id="{63A1C593-65D0-4073-BCC9-577B9352EA97}" type="datetimeFigureOut">
               <a:rPr lang="en-US" smtClean="0"/>
-              <a:t>05-Mar-19</a:t>
+              <a:t>06-Mar-19</a:t>
             </a:fld>
             <a:endParaRPr lang="en-US"/>
           </a:p>
@@ -8616,7 +8616,7 @@
           <a:p>
             <a:fld id="{63A1C593-65D0-4073-BCC9-577B9352EA97}" type="datetimeFigureOut">
               <a:rPr lang="en-US" smtClean="0"/>
-              <a:t>05-Mar-19</a:t>
+              <a:t>06-Mar-19</a:t>
             </a:fld>
             <a:endParaRPr lang="en-US"/>
           </a:p>
@@ -8888,7 +8888,7 @@
           <a:p>
             <a:fld id="{63A1C593-65D0-4073-BCC9-577B9352EA97}" type="datetimeFigureOut">
               <a:rPr lang="en-US" smtClean="0"/>
-              <a:t>05-Mar-19</a:t>
+              <a:t>06-Mar-19</a:t>
             </a:fld>
             <a:endParaRPr lang="en-US"/>
           </a:p>
@@ -9303,7 +9303,7 @@
           <a:p>
             <a:fld id="{63A1C593-65D0-4073-BCC9-577B9352EA97}" type="datetimeFigureOut">
               <a:rPr lang="en-US" smtClean="0"/>
-              <a:t>05-Mar-19</a:t>
+              <a:t>06-Mar-19</a:t>
             </a:fld>
             <a:endParaRPr lang="en-US"/>
           </a:p>
@@ -9435,7 +9435,7 @@
           <a:p>
             <a:fld id="{63A1C593-65D0-4073-BCC9-577B9352EA97}" type="datetimeFigureOut">
               <a:rPr lang="en-US" smtClean="0"/>
-              <a:t>05-Mar-19</a:t>
+              <a:t>06-Mar-19</a:t>
             </a:fld>
             <a:endParaRPr lang="en-US"/>
           </a:p>
@@ -9530,7 +9530,7 @@
           <a:p>
             <a:fld id="{63A1C593-65D0-4073-BCC9-577B9352EA97}" type="datetimeFigureOut">
               <a:rPr lang="en-US" smtClean="0"/>
-              <a:t>05-Mar-19</a:t>
+              <a:t>06-Mar-19</a:t>
             </a:fld>
             <a:endParaRPr lang="en-US"/>
           </a:p>
@@ -10611,7 +10611,7 @@
           <a:p>
             <a:fld id="{63A1C593-65D0-4073-BCC9-577B9352EA97}" type="datetimeFigureOut">
               <a:rPr lang="en-US" smtClean="0"/>
-              <a:t>05-Mar-19</a:t>
+              <a:t>06-Mar-19</a:t>
             </a:fld>
             <a:endParaRPr lang="en-US"/>
           </a:p>
@@ -11724,7 +11724,7 @@
           <a:p>
             <a:fld id="{63A1C593-65D0-4073-BCC9-577B9352EA97}" type="datetimeFigureOut">
               <a:rPr lang="en-US" smtClean="0"/>
-              <a:t>05-Mar-19</a:t>
+              <a:t>06-Mar-19</a:t>
             </a:fld>
             <a:endParaRPr lang="en-US"/>
           </a:p>
@@ -12721,7 +12721,7 @@
           <a:p>
             <a:fld id="{63A1C593-65D0-4073-BCC9-577B9352EA97}" type="datetimeFigureOut">
               <a:rPr lang="en-US" smtClean="0"/>
-              <a:t>05-Mar-19</a:t>
+              <a:t>06-Mar-19</a:t>
             </a:fld>
             <a:endParaRPr lang="en-US"/>
           </a:p>
@@ -15470,47 +15470,74 @@
           </a:p>
         </p:txBody>
       </p:sp>
-      <p:sp>
-        <p:nvSpPr>
-          <p:cNvPr id="3" name="Content Placeholder 2">
+      <p:pic>
+        <p:nvPicPr>
+          <p:cNvPr id="4" name="Online Media 3" title="Ricochet v0.1">
+            <a:hlinkClick r:id="" action="ppaction://media"/>
             <a:extLst>
               <a:ext uri="{FF2B5EF4-FFF2-40B4-BE49-F238E27FC236}">
-                <a16:creationId xmlns:a16="http://schemas.microsoft.com/office/drawing/2014/main" id="{F11DF56A-BAFA-4375-903C-7B35F16D0343}"/>
+                <a16:creationId xmlns:a16="http://schemas.microsoft.com/office/drawing/2014/main" id="{8848F572-E34A-4BB5-BCAC-1C558854482D}"/>
               </a:ext>
             </a:extLst>
           </p:cNvPr>
-          <p:cNvSpPr>
-            <a:spLocks noGrp="1"/>
-          </p:cNvSpPr>
+          <p:cNvPicPr>
+            <a:picLocks noRot="1" noChangeAspect="1"/>
+          </p:cNvPicPr>
           <p:nvPr>
-            <p:ph idx="1"/>
+            <a:videoFile r:link="rId1"/>
           </p:nvPr>
+        </p:nvPicPr>
+        <p:blipFill>
+          <a:blip r:embed="rId3"/>
+          <a:stretch>
+            <a:fillRect/>
+          </a:stretch>
+        </p:blipFill>
+        <p:spPr>
+          <a:xfrm>
+            <a:off x="1128166" y="2201847"/>
+            <a:ext cx="6525237" cy="3670446"/>
+          </a:xfrm>
+          <a:prstGeom prst="rect">
+            <a:avLst/>
+          </a:prstGeom>
+        </p:spPr>
+      </p:pic>
+      <p:sp>
+        <p:nvSpPr>
+          <p:cNvPr id="5" name="TextBox 4">
+            <a:extLst>
+              <a:ext uri="{FF2B5EF4-FFF2-40B4-BE49-F238E27FC236}">
+                <a16:creationId xmlns:a16="http://schemas.microsoft.com/office/drawing/2014/main" id="{68BDA1B6-A5B2-4B93-8EED-89E384255D50}"/>
+              </a:ext>
+            </a:extLst>
+          </p:cNvPr>
+          <p:cNvSpPr txBox="1"/>
+          <p:nvPr/>
         </p:nvSpPr>
         <p:spPr>
           <a:xfrm>
-            <a:off x="1128166" y="2202025"/>
-            <a:ext cx="7645173" cy="3508310"/>
+            <a:off x="8204433" y="2709644"/>
+            <a:ext cx="2508308" cy="369332"/>
           </a:xfrm>
+          <a:prstGeom prst="rect">
+            <a:avLst/>
+          </a:prstGeom>
+          <a:noFill/>
         </p:spPr>
         <p:txBody>
-          <a:bodyPr anchor="t">
-            <a:normAutofit/>
+          <a:bodyPr wrap="square" rtlCol="0">
+            <a:spAutoFit/>
           </a:bodyPr>
           <a:lstStyle/>
           <a:p>
             <a:r>
-              <a:rPr lang="en-US">
-                <a:solidFill>
-                  <a:schemeClr val="tx1"/>
-                </a:solidFill>
+              <a:rPr lang="ro-RO">
+                <a:hlinkClick r:id="rId4"/>
               </a:rPr>
-              <a:t>PUT THE VIDEO HERE MORON</a:t>
+              <a:t>GameplayHere</a:t>
             </a:r>
-            <a:endParaRPr lang="en-GB">
-              <a:solidFill>
-                <a:schemeClr val="tx1"/>
-              </a:solidFill>
-            </a:endParaRPr>
+            <a:endParaRPr lang="en-GB"/>
           </a:p>
         </p:txBody>
       </p:sp>
